--- a/项目介绍PPT/项目介绍PPT.pptx
+++ b/项目介绍PPT/项目介绍PPT.pptx
@@ -5,7 +5,7 @@
     <p:sldMasterId id="2147484001" r:id="rId1"/>
   </p:sldMasterIdLst>
   <p:notesMasterIdLst>
-    <p:notesMasterId r:id="rId8"/>
+    <p:notesMasterId r:id="rId9"/>
   </p:notesMasterIdLst>
   <p:sldIdLst>
     <p:sldId id="256" r:id="rId2"/>
@@ -13,9 +13,10 @@
     <p:sldId id="258" r:id="rId4"/>
     <p:sldId id="259" r:id="rId5"/>
     <p:sldId id="260" r:id="rId6"/>
-    <p:sldId id="261" r:id="rId7"/>
+    <p:sldId id="262" r:id="rId7"/>
+    <p:sldId id="261" r:id="rId8"/>
   </p:sldIdLst>
-  <p:sldSz cx="12192000" cy="6858000"/>
+  <p:sldSz cx="9144000" cy="6858000" type="screen4x3"/>
   <p:notesSz cx="6858000" cy="9144000"/>
   <p:defaultTextStyle>
     <a:defPPr>
@@ -197,7 +198,7 @@
           <a:p>
             <a:fld id="{69AB6635-575B-0C42-898D-37167595ED80}" type="datetimeFigureOut">
               <a:rPr kumimoji="1" lang="zh-CN" altLang="en-US" smtClean="0"/>
-              <a:t>16/3/17</a:t>
+              <a:t>2016/3/17</a:t>
             </a:fld>
             <a:endParaRPr kumimoji="1" lang="zh-CN" altLang="en-US"/>
           </a:p>
@@ -215,8 +216,8 @@
         </p:nvSpPr>
         <p:spPr>
           <a:xfrm>
-            <a:off x="685800" y="1143000"/>
-            <a:ext cx="5486400" cy="3086100"/>
+            <a:off x="1371600" y="1143000"/>
+            <a:ext cx="4114800" cy="3086100"/>
           </a:xfrm>
           <a:prstGeom prst="rect">
             <a:avLst/>
@@ -492,7 +493,12 @@
             <p:ph type="sldImg"/>
           </p:nvPr>
         </p:nvSpPr>
-        <p:spPr/>
+        <p:spPr>
+          <a:xfrm>
+            <a:off x="1371600" y="1143000"/>
+            <a:ext cx="4114800" cy="3086100"/>
+          </a:xfrm>
+        </p:spPr>
       </p:sp>
       <p:sp>
         <p:nvSpPr>
@@ -1012,7 +1018,12 @@
             <p:ph type="sldImg"/>
           </p:nvPr>
         </p:nvSpPr>
-        <p:spPr/>
+        <p:spPr>
+          <a:xfrm>
+            <a:off x="1371600" y="1143000"/>
+            <a:ext cx="4114800" cy="3086100"/>
+          </a:xfrm>
+        </p:spPr>
       </p:sp>
       <p:sp>
         <p:nvSpPr>
@@ -1050,7 +1061,7 @@
           <a:p>
             <a:fld id="{49B23D29-C40C-0346-802A-E643F7B2F847}" type="slidenum">
               <a:rPr kumimoji="1" lang="zh-CN" altLang="en-US" smtClean="0"/>
-              <a:t>6</a:t>
+              <a:t>7</a:t>
             </a:fld>
             <a:endParaRPr kumimoji="1" lang="zh-CN" altLang="en-US"/>
           </a:p>
@@ -1098,8 +1109,8 @@
         </p:nvSpPr>
         <p:spPr>
           <a:xfrm>
-            <a:off x="1751012" y="609601"/>
-            <a:ext cx="8676222" cy="3200400"/>
+            <a:off x="1313259" y="609601"/>
+            <a:ext cx="6507167" cy="3200400"/>
           </a:xfrm>
         </p:spPr>
         <p:txBody>
@@ -1128,7 +1139,7 @@
           </a:lstStyle>
           <a:p>
             <a:r>
-              <a:rPr lang="zh-CN" altLang="en-US" smtClean="0"/>
+              <a:rPr lang="zh-CN" altLang="en-US" dirty="0" smtClean="0"/>
               <a:t>单击此处编辑母版标题样式</a:t>
             </a:r>
             <a:endParaRPr lang="en-US" dirty="0"/>
@@ -1147,8 +1158,8 @@
         </p:nvSpPr>
         <p:spPr>
           <a:xfrm>
-            <a:off x="1751012" y="3886200"/>
-            <a:ext cx="8676222" cy="1905000"/>
+            <a:off x="1313259" y="3886200"/>
+            <a:ext cx="6507167" cy="1905000"/>
           </a:xfrm>
         </p:spPr>
         <p:txBody>
@@ -1272,7 +1283,7 @@
             <a:fld id="{87DE6118-2437-4B30-8E3C-4D2BE6020583}" type="datetimeFigureOut">
               <a:rPr lang="en-US" smtClean="0"/>
               <a:pPr/>
-              <a:t>3/17/16</a:t>
+              <a:t>3/17/2016</a:t>
             </a:fld>
             <a:endParaRPr lang="en-US" dirty="0"/>
           </a:p>
@@ -1331,9 +1342,9 @@
   <p:clrMapOvr>
     <a:masterClrMapping/>
   </p:clrMapOvr>
-  <p:extLst>
+  <p:extLst mod="1">
     <p:ext uri="{DCECCB84-F9BA-43D5-87BE-67443E8EF086}">
-      <p15:sldGuideLst xmlns:p15="http://schemas.microsoft.com/office/powerpoint/2012/main"/>
+      <p15:sldGuideLst xmlns:p15="http://schemas.microsoft.com/office/powerpoint/2012/main" xmlns=""/>
     </p:ext>
   </p:extLst>
 </p:sldLayout>
@@ -1368,8 +1379,8 @@
         </p:nvSpPr>
         <p:spPr>
           <a:xfrm>
-            <a:off x="1141413" y="4732865"/>
-            <a:ext cx="9906000" cy="566738"/>
+            <a:off x="856060" y="4732865"/>
+            <a:ext cx="7429500" cy="566738"/>
           </a:xfrm>
         </p:spPr>
         <p:txBody>
@@ -1402,8 +1413,8 @@
         </p:nvSpPr>
         <p:spPr>
           <a:xfrm>
-            <a:off x="1979612" y="932112"/>
-            <a:ext cx="8225944" cy="3164976"/>
+            <a:off x="1484709" y="932112"/>
+            <a:ext cx="6169458" cy="3164976"/>
           </a:xfrm>
           <a:prstGeom prst="roundRect">
             <a:avLst>
@@ -1497,8 +1508,8 @@
         </p:nvSpPr>
         <p:spPr>
           <a:xfrm>
-            <a:off x="1141413" y="5299603"/>
-            <a:ext cx="9906000" cy="493712"/>
+            <a:off x="856060" y="5299603"/>
+            <a:ext cx="7429500" cy="493712"/>
           </a:xfrm>
         </p:spPr>
         <p:txBody>
@@ -1570,7 +1581,7 @@
             <a:fld id="{87DE6118-2437-4B30-8E3C-4D2BE6020583}" type="datetimeFigureOut">
               <a:rPr lang="en-US" smtClean="0"/>
               <a:pPr/>
-              <a:t>3/17/16</a:t>
+              <a:t>3/17/2016</a:t>
             </a:fld>
             <a:endParaRPr lang="en-US" dirty="0"/>
           </a:p>
@@ -1661,8 +1672,8 @@
         </p:nvSpPr>
         <p:spPr>
           <a:xfrm>
-            <a:off x="1141412" y="609601"/>
-            <a:ext cx="9905999" cy="3124199"/>
+            <a:off x="856060" y="609602"/>
+            <a:ext cx="7429499" cy="3124199"/>
           </a:xfrm>
         </p:spPr>
         <p:txBody>
@@ -1695,8 +1706,8 @@
         </p:nvSpPr>
         <p:spPr>
           <a:xfrm>
-            <a:off x="1141411" y="4343400"/>
-            <a:ext cx="9906000" cy="1447800"/>
+            <a:off x="856058" y="4343400"/>
+            <a:ext cx="7429500" cy="1447800"/>
           </a:xfrm>
         </p:spPr>
         <p:txBody>
@@ -1820,7 +1831,7 @@
             <a:fld id="{87DE6118-2437-4B30-8E3C-4D2BE6020583}" type="datetimeFigureOut">
               <a:rPr lang="en-US" smtClean="0"/>
               <a:pPr/>
-              <a:t>3/17/16</a:t>
+              <a:t>3/17/2016</a:t>
             </a:fld>
             <a:endParaRPr lang="en-US" dirty="0"/>
           </a:p>
@@ -1907,8 +1918,8 @@
         </p:nvSpPr>
         <p:spPr>
           <a:xfrm>
-            <a:off x="836612" y="786824"/>
-            <a:ext cx="609600" cy="584776"/>
+            <a:off x="627459" y="786824"/>
+            <a:ext cx="457200" cy="584776"/>
           </a:xfrm>
           <a:prstGeom prst="rect">
             <a:avLst/>
@@ -2022,8 +2033,8 @@
         </p:nvSpPr>
         <p:spPr>
           <a:xfrm>
-            <a:off x="10437812" y="2743200"/>
-            <a:ext cx="609600" cy="584776"/>
+            <a:off x="7828359" y="2743200"/>
+            <a:ext cx="457200" cy="584776"/>
           </a:xfrm>
           <a:prstGeom prst="rect">
             <a:avLst/>
@@ -2141,8 +2152,8 @@
         </p:nvSpPr>
         <p:spPr>
           <a:xfrm>
-            <a:off x="1446213" y="609601"/>
-            <a:ext cx="9296398" cy="2743199"/>
+            <a:off x="1084660" y="609602"/>
+            <a:ext cx="6972299" cy="2743199"/>
           </a:xfrm>
         </p:spPr>
         <p:txBody>
@@ -2179,8 +2190,8 @@
         </p:nvSpPr>
         <p:spPr>
           <a:xfrm>
-            <a:off x="1674812" y="3352800"/>
-            <a:ext cx="8839202" cy="381000"/>
+            <a:off x="1256109" y="3352800"/>
+            <a:ext cx="6629402" cy="381000"/>
           </a:xfrm>
         </p:spPr>
         <p:txBody>
@@ -2233,8 +2244,8 @@
         </p:nvSpPr>
         <p:spPr>
           <a:xfrm>
-            <a:off x="1141411" y="4343400"/>
-            <a:ext cx="9906000" cy="1447800"/>
+            <a:off x="856058" y="4343400"/>
+            <a:ext cx="7429500" cy="1447800"/>
           </a:xfrm>
         </p:spPr>
         <p:txBody>
@@ -2358,7 +2369,7 @@
             <a:fld id="{87DE6118-2437-4B30-8E3C-4D2BE6020583}" type="datetimeFigureOut">
               <a:rPr lang="en-US" smtClean="0"/>
               <a:pPr/>
-              <a:t>3/17/16</a:t>
+              <a:t>3/17/2016</a:t>
             </a:fld>
             <a:endParaRPr lang="en-US" dirty="0"/>
           </a:p>
@@ -2449,8 +2460,8 @@
         </p:nvSpPr>
         <p:spPr>
           <a:xfrm>
-            <a:off x="1141412" y="3308581"/>
-            <a:ext cx="9906000" cy="1468800"/>
+            <a:off x="856059" y="3308581"/>
+            <a:ext cx="7429500" cy="1468800"/>
           </a:xfrm>
         </p:spPr>
         <p:txBody>
@@ -2483,8 +2494,8 @@
         </p:nvSpPr>
         <p:spPr>
           <a:xfrm>
-            <a:off x="1141410" y="4777381"/>
-            <a:ext cx="9906001" cy="860400"/>
+            <a:off x="856058" y="4777381"/>
+            <a:ext cx="7429501" cy="860400"/>
           </a:xfrm>
         </p:spPr>
         <p:txBody>
@@ -2608,7 +2619,7 @@
             <a:fld id="{87DE6118-2437-4B30-8E3C-4D2BE6020583}" type="datetimeFigureOut">
               <a:rPr lang="en-US" smtClean="0"/>
               <a:pPr/>
-              <a:t>3/17/16</a:t>
+              <a:t>3/17/2016</a:t>
             </a:fld>
             <a:endParaRPr lang="en-US" dirty="0"/>
           </a:p>
@@ -2695,8 +2706,8 @@
         </p:nvSpPr>
         <p:spPr>
           <a:xfrm>
-            <a:off x="836612" y="786824"/>
-            <a:ext cx="609600" cy="584776"/>
+            <a:off x="627459" y="786824"/>
+            <a:ext cx="457200" cy="584776"/>
           </a:xfrm>
           <a:prstGeom prst="rect">
             <a:avLst/>
@@ -2810,8 +2821,8 @@
         </p:nvSpPr>
         <p:spPr>
           <a:xfrm>
-            <a:off x="10437812" y="2743200"/>
-            <a:ext cx="609600" cy="584776"/>
+            <a:off x="7828359" y="2743200"/>
+            <a:ext cx="457200" cy="584776"/>
           </a:xfrm>
           <a:prstGeom prst="rect">
             <a:avLst/>
@@ -2929,8 +2940,8 @@
         </p:nvSpPr>
         <p:spPr>
           <a:xfrm>
-            <a:off x="1446213" y="609601"/>
-            <a:ext cx="9296398" cy="2743199"/>
+            <a:off x="1084660" y="609602"/>
+            <a:ext cx="6972299" cy="2743199"/>
           </a:xfrm>
         </p:spPr>
         <p:txBody>
@@ -2967,8 +2978,8 @@
         </p:nvSpPr>
         <p:spPr>
           <a:xfrm>
-            <a:off x="1141412" y="3886200"/>
-            <a:ext cx="9906000" cy="889000"/>
+            <a:off x="856059" y="3886200"/>
+            <a:ext cx="7429500" cy="889000"/>
           </a:xfrm>
         </p:spPr>
         <p:txBody>
@@ -3028,8 +3039,8 @@
         </p:nvSpPr>
         <p:spPr>
           <a:xfrm>
-            <a:off x="1141411" y="4775200"/>
-            <a:ext cx="9906000" cy="1016000"/>
+            <a:off x="856058" y="4775200"/>
+            <a:ext cx="7429500" cy="1016000"/>
           </a:xfrm>
         </p:spPr>
         <p:txBody>
@@ -3153,7 +3164,7 @@
             <a:fld id="{87DE6118-2437-4B30-8E3C-4D2BE6020583}" type="datetimeFigureOut">
               <a:rPr lang="en-US" smtClean="0"/>
               <a:pPr/>
-              <a:t>3/17/16</a:t>
+              <a:t>3/17/2016</a:t>
             </a:fld>
             <a:endParaRPr lang="en-US" dirty="0"/>
           </a:p>
@@ -3244,8 +3255,8 @@
         </p:nvSpPr>
         <p:spPr>
           <a:xfrm>
-            <a:off x="1141412" y="609601"/>
-            <a:ext cx="9905999" cy="2743199"/>
+            <a:off x="856060" y="609602"/>
+            <a:ext cx="7429499" cy="2743199"/>
           </a:xfrm>
         </p:spPr>
         <p:txBody>
@@ -3279,8 +3290,8 @@
         </p:nvSpPr>
         <p:spPr>
           <a:xfrm>
-            <a:off x="1141412" y="3505200"/>
-            <a:ext cx="9906000" cy="838200"/>
+            <a:off x="856059" y="3505200"/>
+            <a:ext cx="7429500" cy="838200"/>
           </a:xfrm>
         </p:spPr>
         <p:txBody>
@@ -3340,8 +3351,8 @@
         </p:nvSpPr>
         <p:spPr>
           <a:xfrm>
-            <a:off x="1141411" y="4343400"/>
-            <a:ext cx="9906000" cy="1447800"/>
+            <a:off x="856058" y="4343400"/>
+            <a:ext cx="7429500" cy="1447800"/>
           </a:xfrm>
         </p:spPr>
         <p:txBody>
@@ -3465,7 +3476,7 @@
             <a:fld id="{87DE6118-2437-4B30-8E3C-4D2BE6020583}" type="datetimeFigureOut">
               <a:rPr lang="en-US" smtClean="0"/>
               <a:pPr/>
-              <a:t>3/17/16</a:t>
+              <a:t>3/17/2016</a:t>
             </a:fld>
             <a:endParaRPr lang="en-US" dirty="0"/>
           </a:p>
@@ -3556,8 +3567,8 @@
         </p:nvSpPr>
         <p:spPr>
           <a:xfrm>
-            <a:off x="1141413" y="609600"/>
-            <a:ext cx="9905998" cy="1905000"/>
+            <a:off x="856060" y="609600"/>
+            <a:ext cx="7429499" cy="1905000"/>
           </a:xfrm>
         </p:spPr>
         <p:txBody>
@@ -3641,7 +3652,7 @@
           <a:p>
             <a:fld id="{87DE6118-2437-4B30-8E3C-4D2BE6020583}" type="datetimeFigureOut">
               <a:rPr lang="en-US" smtClean="0"/>
-              <a:t>3/17/16</a:t>
+              <a:t>3/17/2016</a:t>
             </a:fld>
             <a:endParaRPr lang="en-US" dirty="0"/>
           </a:p>
@@ -3731,8 +3742,8 @@
         </p:nvSpPr>
         <p:spPr>
           <a:xfrm>
-            <a:off x="8836898" y="609599"/>
-            <a:ext cx="2210514" cy="5181601"/>
+            <a:off x="6627673" y="609600"/>
+            <a:ext cx="1657886" cy="5181601"/>
           </a:xfrm>
         </p:spPr>
         <p:txBody>
@@ -3759,8 +3770,8 @@
         </p:nvSpPr>
         <p:spPr>
           <a:xfrm>
-            <a:off x="1141412" y="609600"/>
-            <a:ext cx="7543800" cy="5181600"/>
+            <a:off x="856059" y="609600"/>
+            <a:ext cx="5657850" cy="5181600"/>
           </a:xfrm>
         </p:spPr>
         <p:txBody>
@@ -3821,7 +3832,7 @@
           <a:p>
             <a:fld id="{87DE6118-2437-4B30-8E3C-4D2BE6020583}" type="datetimeFigureOut">
               <a:rPr lang="en-US" smtClean="0"/>
-              <a:t>3/17/16</a:t>
+              <a:t>3/17/2016</a:t>
             </a:fld>
             <a:endParaRPr lang="en-US" dirty="0"/>
           </a:p>
@@ -3879,9 +3890,9 @@
   <p:clrMapOvr>
     <a:masterClrMapping/>
   </p:clrMapOvr>
-  <p:extLst>
+  <p:extLst mod="1">
     <p:ext uri="{DCECCB84-F9BA-43D5-87BE-67443E8EF086}">
-      <p15:sldGuideLst xmlns:p15="http://schemas.microsoft.com/office/powerpoint/2012/main"/>
+      <p15:sldGuideLst xmlns:p15="http://schemas.microsoft.com/office/powerpoint/2012/main" xmlns=""/>
     </p:ext>
   </p:extLst>
 </p:sldLayout>
@@ -3996,7 +4007,7 @@
           <a:p>
             <a:fld id="{87DE6118-2437-4B30-8E3C-4D2BE6020583}" type="datetimeFigureOut">
               <a:rPr lang="en-US" smtClean="0"/>
-              <a:t>3/17/16</a:t>
+              <a:t>3/17/2016</a:t>
             </a:fld>
             <a:endParaRPr lang="en-US" dirty="0"/>
           </a:p>
@@ -4086,8 +4097,8 @@
         </p:nvSpPr>
         <p:spPr>
           <a:xfrm>
-            <a:off x="1751013" y="3308581"/>
-            <a:ext cx="8686800" cy="1468800"/>
+            <a:off x="1313260" y="3308581"/>
+            <a:ext cx="6515100" cy="1468800"/>
           </a:xfrm>
         </p:spPr>
         <p:txBody>
@@ -4118,8 +4129,8 @@
         </p:nvSpPr>
         <p:spPr>
           <a:xfrm>
-            <a:off x="1751011" y="4777381"/>
-            <a:ext cx="8686801" cy="860400"/>
+            <a:off x="1313259" y="4777381"/>
+            <a:ext cx="6515101" cy="860400"/>
           </a:xfrm>
         </p:spPr>
         <p:txBody>
@@ -4243,7 +4254,7 @@
             <a:fld id="{87DE6118-2437-4B30-8E3C-4D2BE6020583}" type="datetimeFigureOut">
               <a:rPr lang="en-US" smtClean="0"/>
               <a:pPr/>
-              <a:t>3/17/16</a:t>
+              <a:t>3/17/2016</a:t>
             </a:fld>
             <a:endParaRPr lang="en-US" dirty="0"/>
           </a:p>
@@ -4302,9 +4313,9 @@
   <p:clrMapOvr>
     <a:masterClrMapping/>
   </p:clrMapOvr>
-  <p:extLst>
+  <p:extLst mod="1">
     <p:ext uri="{DCECCB84-F9BA-43D5-87BE-67443E8EF086}">
-      <p15:sldGuideLst xmlns:p15="http://schemas.microsoft.com/office/powerpoint/2012/main"/>
+      <p15:sldGuideLst xmlns:p15="http://schemas.microsoft.com/office/powerpoint/2012/main" xmlns=""/>
     </p:ext>
   </p:extLst>
 </p:sldLayout>
@@ -4362,8 +4373,8 @@
         </p:nvSpPr>
         <p:spPr>
           <a:xfrm>
-            <a:off x="1141412" y="2666999"/>
-            <a:ext cx="4876800" cy="3124201"/>
+            <a:off x="856059" y="2667000"/>
+            <a:ext cx="3657600" cy="3124201"/>
           </a:xfrm>
         </p:spPr>
         <p:txBody>
@@ -4449,8 +4460,8 @@
         </p:nvSpPr>
         <p:spPr>
           <a:xfrm>
-            <a:off x="6170612" y="2667000"/>
-            <a:ext cx="4876800" cy="3124200"/>
+            <a:off x="4627959" y="2667000"/>
+            <a:ext cx="3657600" cy="3124200"/>
           </a:xfrm>
         </p:spPr>
         <p:txBody>
@@ -4541,7 +4552,7 @@
           <a:p>
             <a:fld id="{87DE6118-2437-4B30-8E3C-4D2BE6020583}" type="datetimeFigureOut">
               <a:rPr lang="en-US" smtClean="0"/>
-              <a:t>3/17/16</a:t>
+              <a:t>3/17/2016</a:t>
             </a:fld>
             <a:endParaRPr lang="en-US" dirty="0"/>
           </a:p>
@@ -4658,8 +4669,8 @@
         </p:nvSpPr>
         <p:spPr>
           <a:xfrm>
-            <a:off x="1429280" y="2658533"/>
-            <a:ext cx="4588931" cy="576262"/>
+            <a:off x="1071961" y="2658533"/>
+            <a:ext cx="3441698" cy="576262"/>
           </a:xfrm>
         </p:spPr>
         <p:txBody>
@@ -4725,8 +4736,8 @@
         </p:nvSpPr>
         <p:spPr>
           <a:xfrm>
-            <a:off x="1141412" y="3243262"/>
-            <a:ext cx="4876800" cy="2547937"/>
+            <a:off x="856059" y="3243263"/>
+            <a:ext cx="3657600" cy="2547937"/>
           </a:xfrm>
         </p:spPr>
         <p:txBody>
@@ -4812,8 +4823,8 @@
         </p:nvSpPr>
         <p:spPr>
           <a:xfrm>
-            <a:off x="6443133" y="2667000"/>
-            <a:ext cx="4604280" cy="576262"/>
+            <a:off x="4832350" y="2667000"/>
+            <a:ext cx="3453210" cy="576262"/>
           </a:xfrm>
         </p:spPr>
         <p:txBody>
@@ -4879,8 +4890,8 @@
         </p:nvSpPr>
         <p:spPr>
           <a:xfrm>
-            <a:off x="6170612" y="3243262"/>
-            <a:ext cx="4876801" cy="2547937"/>
+            <a:off x="4627959" y="3243263"/>
+            <a:ext cx="3657601" cy="2547937"/>
           </a:xfrm>
         </p:spPr>
         <p:txBody>
@@ -4971,7 +4982,7 @@
           <a:p>
             <a:fld id="{87DE6118-2437-4B30-8E3C-4D2BE6020583}" type="datetimeFigureOut">
               <a:rPr lang="en-US" smtClean="0"/>
-              <a:t>3/17/16</a:t>
+              <a:t>3/17/2016</a:t>
             </a:fld>
             <a:endParaRPr lang="en-US" dirty="0"/>
           </a:p>
@@ -5094,7 +5105,7 @@
           <a:p>
             <a:fld id="{87DE6118-2437-4B30-8E3C-4D2BE6020583}" type="datetimeFigureOut">
               <a:rPr lang="en-US" smtClean="0"/>
-              <a:t>3/17/16</a:t>
+              <a:t>3/17/2016</a:t>
             </a:fld>
             <a:endParaRPr lang="en-US" dirty="0"/>
           </a:p>
@@ -5189,7 +5200,7 @@
           <a:p>
             <a:fld id="{87DE6118-2437-4B30-8E3C-4D2BE6020583}" type="datetimeFigureOut">
               <a:rPr lang="en-US" smtClean="0"/>
-              <a:t>3/17/16</a:t>
+              <a:t>3/17/2016</a:t>
             </a:fld>
             <a:endParaRPr lang="en-US" dirty="0"/>
           </a:p>
@@ -5247,9 +5258,9 @@
   <p:clrMapOvr>
     <a:masterClrMapping/>
   </p:clrMapOvr>
-  <p:extLst>
+  <p:extLst mod="1">
     <p:ext uri="{DCECCB84-F9BA-43D5-87BE-67443E8EF086}">
-      <p15:sldGuideLst xmlns:p15="http://schemas.microsoft.com/office/powerpoint/2012/main"/>
+      <p15:sldGuideLst xmlns:p15="http://schemas.microsoft.com/office/powerpoint/2012/main" xmlns=""/>
     </p:ext>
   </p:extLst>
 </p:sldLayout>
@@ -5284,8 +5295,8 @@
         </p:nvSpPr>
         <p:spPr>
           <a:xfrm>
-            <a:off x="1141411" y="1600200"/>
-            <a:ext cx="3549121" cy="1371600"/>
+            <a:off x="856059" y="1600200"/>
+            <a:ext cx="2661841" cy="1371600"/>
           </a:xfrm>
         </p:spPr>
         <p:txBody>
@@ -5318,8 +5329,8 @@
         </p:nvSpPr>
         <p:spPr>
           <a:xfrm>
-            <a:off x="5103812" y="609601"/>
-            <a:ext cx="5943601" cy="5181600"/>
+            <a:off x="3827859" y="609601"/>
+            <a:ext cx="4457701" cy="5181600"/>
           </a:xfrm>
         </p:spPr>
         <p:txBody>
@@ -5405,8 +5416,8 @@
         </p:nvSpPr>
         <p:spPr>
           <a:xfrm>
-            <a:off x="1141411" y="2971800"/>
-            <a:ext cx="3549121" cy="1828800"/>
+            <a:off x="856059" y="2971800"/>
+            <a:ext cx="2661841" cy="1828800"/>
           </a:xfrm>
         </p:spPr>
         <p:txBody>
@@ -5478,7 +5489,7 @@
             <a:fld id="{87DE6118-2437-4B30-8E3C-4D2BE6020583}" type="datetimeFigureOut">
               <a:rPr lang="en-US" smtClean="0"/>
               <a:pPr/>
-              <a:t>3/17/16</a:t>
+              <a:t>3/17/2016</a:t>
             </a:fld>
             <a:endParaRPr lang="en-US" dirty="0"/>
           </a:p>
@@ -5537,9 +5548,9 @@
   <p:clrMapOvr>
     <a:masterClrMapping/>
   </p:clrMapOvr>
-  <p:extLst>
+  <p:extLst mod="1">
     <p:ext uri="{DCECCB84-F9BA-43D5-87BE-67443E8EF086}">
-      <p15:sldGuideLst xmlns:p15="http://schemas.microsoft.com/office/powerpoint/2012/main"/>
+      <p15:sldGuideLst xmlns:p15="http://schemas.microsoft.com/office/powerpoint/2012/main" xmlns=""/>
     </p:ext>
   </p:extLst>
 </p:sldLayout>
@@ -5574,8 +5585,8 @@
         </p:nvSpPr>
         <p:spPr>
           <a:xfrm>
-            <a:off x="1141411" y="1600200"/>
-            <a:ext cx="5334001" cy="1371600"/>
+            <a:off x="856059" y="1600200"/>
+            <a:ext cx="4000501" cy="1371600"/>
           </a:xfrm>
         </p:spPr>
         <p:txBody>
@@ -5608,8 +5619,8 @@
         </p:nvSpPr>
         <p:spPr>
           <a:xfrm>
-            <a:off x="7433733" y="-18288"/>
-            <a:ext cx="3276599" cy="6903720"/>
+            <a:off x="5575300" y="-18288"/>
+            <a:ext cx="2457449" cy="6903720"/>
           </a:xfrm>
           <a:ln w="38100">
             <a:gradFill flip="none" rotWithShape="1">
@@ -5698,8 +5709,8 @@
         </p:nvSpPr>
         <p:spPr>
           <a:xfrm>
-            <a:off x="1141411" y="2971800"/>
-            <a:ext cx="5334001" cy="1828800"/>
+            <a:off x="856059" y="2971800"/>
+            <a:ext cx="4000501" cy="1828800"/>
           </a:xfrm>
         </p:spPr>
         <p:txBody>
@@ -5765,8 +5776,8 @@
         </p:nvSpPr>
         <p:spPr>
           <a:xfrm>
-            <a:off x="6399212" y="5883275"/>
-            <a:ext cx="914400" cy="365125"/>
+            <a:off x="4799409" y="5883276"/>
+            <a:ext cx="685800" cy="365125"/>
           </a:xfrm>
         </p:spPr>
         <p:txBody>
@@ -5776,7 +5787,7 @@
             <a:fld id="{87DE6118-2437-4B30-8E3C-4D2BE6020583}" type="datetimeFigureOut">
               <a:rPr lang="en-US" smtClean="0"/>
               <a:pPr/>
-              <a:t>3/17/16</a:t>
+              <a:t>3/17/2016</a:t>
             </a:fld>
             <a:endParaRPr lang="en-US" dirty="0"/>
           </a:p>
@@ -5794,8 +5805,8 @@
         </p:nvSpPr>
         <p:spPr>
           <a:xfrm>
-            <a:off x="1141412" y="5883275"/>
-            <a:ext cx="5105400" cy="365125"/>
+            <a:off x="856059" y="5883276"/>
+            <a:ext cx="3829050" cy="365125"/>
           </a:xfrm>
         </p:spPr>
         <p:txBody>
@@ -5818,8 +5829,8 @@
         </p:nvSpPr>
         <p:spPr>
           <a:xfrm>
-            <a:off x="10742612" y="5883275"/>
-            <a:ext cx="322567" cy="365125"/>
+            <a:off x="8056960" y="5883276"/>
+            <a:ext cx="241925" cy="365125"/>
           </a:xfrm>
         </p:spPr>
         <p:txBody>
@@ -5882,8 +5893,8 @@
         </p:nvSpPr>
         <p:spPr>
           <a:xfrm>
-            <a:off x="1141413" y="609600"/>
-            <a:ext cx="9905998" cy="1905000"/>
+            <a:off x="856060" y="609600"/>
+            <a:ext cx="7429499" cy="1905000"/>
           </a:xfrm>
           <a:prstGeom prst="rect">
             <a:avLst/>
@@ -5896,7 +5907,7 @@
           <a:lstStyle/>
           <a:p>
             <a:r>
-              <a:rPr lang="zh-CN" altLang="en-US" smtClean="0"/>
+              <a:rPr lang="zh-CN" altLang="en-US" dirty="0" smtClean="0"/>
               <a:t>单击此处编辑母版标题样式</a:t>
             </a:r>
             <a:endParaRPr lang="en-US" dirty="0"/>
@@ -5915,8 +5926,8 @@
         </p:nvSpPr>
         <p:spPr>
           <a:xfrm>
-            <a:off x="1141413" y="2666999"/>
-            <a:ext cx="9905998" cy="3124201"/>
+            <a:off x="856060" y="2667000"/>
+            <a:ext cx="7429499" cy="3124201"/>
           </a:xfrm>
           <a:prstGeom prst="rect">
             <a:avLst/>
@@ -5977,8 +5988,8 @@
         </p:nvSpPr>
         <p:spPr>
           <a:xfrm>
-            <a:off x="8837612" y="5883275"/>
-            <a:ext cx="1600200" cy="365125"/>
+            <a:off x="6628209" y="5883276"/>
+            <a:ext cx="1200150" cy="365125"/>
           </a:xfrm>
           <a:prstGeom prst="rect">
             <a:avLst/>
@@ -6009,7 +6020,7 @@
             <a:fld id="{87DE6118-2437-4B30-8E3C-4D2BE6020583}" type="datetimeFigureOut">
               <a:rPr lang="en-US" smtClean="0"/>
               <a:pPr/>
-              <a:t>3/17/16</a:t>
+              <a:t>3/17/2016</a:t>
             </a:fld>
             <a:endParaRPr lang="en-US" dirty="0"/>
           </a:p>
@@ -6027,8 +6038,8 @@
         </p:nvSpPr>
         <p:spPr>
           <a:xfrm>
-            <a:off x="1141412" y="5883275"/>
-            <a:ext cx="7543800" cy="365125"/>
+            <a:off x="856059" y="5883276"/>
+            <a:ext cx="5657850" cy="365125"/>
           </a:xfrm>
           <a:prstGeom prst="rect">
             <a:avLst/>
@@ -6072,8 +6083,8 @@
         </p:nvSpPr>
         <p:spPr>
           <a:xfrm>
-            <a:off x="10514012" y="5883275"/>
-            <a:ext cx="551167" cy="365125"/>
+            <a:off x="7885510" y="5883276"/>
+            <a:ext cx="413375" cy="365125"/>
           </a:xfrm>
           <a:prstGeom prst="rect">
             <a:avLst/>
@@ -6144,7 +6155,7 @@
           <a:spcPct val="0"/>
         </a:spcBef>
         <a:buNone/>
-        <a:defRPr sz="3200" kern="1200" cap="all">
+        <a:defRPr sz="4400" kern="1200" cap="all">
           <a:ln w="3175" cmpd="sng">
             <a:noFill/>
           </a:ln>
@@ -6649,9 +6660,9 @@
       </a:lvl9pPr>
     </p:otherStyle>
   </p:txStyles>
-  <p:extLst>
+  <p:extLst mod="1">
     <p:ext uri="{27BBF7A9-308A-43DC-89C8-2F10F3537804}">
-      <p15:sldGuideLst xmlns:p15="http://schemas.microsoft.com/office/powerpoint/2012/main"/>
+      <p15:sldGuideLst xmlns:p15="http://schemas.microsoft.com/office/powerpoint/2012/main" xmlns=""/>
     </p:ext>
   </p:extLst>
 </p:sldMaster>
@@ -6684,38 +6695,62 @@
             <p:ph type="ctrTitle"/>
           </p:nvPr>
         </p:nvSpPr>
-        <p:spPr/>
+        <p:spPr>
+          <a:xfrm>
+            <a:off x="581921" y="790330"/>
+            <a:ext cx="6710130" cy="2209139"/>
+          </a:xfrm>
+        </p:spPr>
+        <p:txBody>
+          <a:bodyPr>
+            <a:normAutofit/>
+          </a:bodyPr>
+          <a:lstStyle/>
+          <a:p>
+            <a:r>
+              <a:rPr kumimoji="1" lang="en-US" altLang="zh-CN" sz="6000" dirty="0" err="1" smtClean="0"/>
+              <a:t>Nginx</a:t>
+            </a:r>
+            <a:r>
+              <a:rPr kumimoji="1" lang="zh-CN" altLang="en-US" sz="6000" dirty="0" smtClean="0"/>
+              <a:t>测试与开发</a:t>
+            </a:r>
+            <a:endParaRPr kumimoji="1" lang="zh-CN" altLang="en-US" sz="6000" dirty="0"/>
+          </a:p>
+        </p:txBody>
+      </p:sp>
+      <p:sp>
+        <p:nvSpPr>
+          <p:cNvPr id="3" name="副标题 2"/>
+          <p:cNvSpPr>
+            <a:spLocks noGrp="1"/>
+          </p:cNvSpPr>
+          <p:nvPr>
+            <p:ph type="subTitle" idx="1"/>
+          </p:nvPr>
+        </p:nvSpPr>
+        <p:spPr>
+          <a:xfrm>
+            <a:off x="5277664" y="6039852"/>
+            <a:ext cx="3866336" cy="818148"/>
+          </a:xfrm>
+        </p:spPr>
         <p:txBody>
           <a:bodyPr/>
           <a:lstStyle/>
           <a:p>
             <a:r>
-              <a:rPr kumimoji="1" lang="en-US" altLang="zh-CN" dirty="0" err="1" smtClean="0"/>
-              <a:t>Nginx</a:t>
-            </a:r>
-            <a:r>
               <a:rPr kumimoji="1" lang="zh-CN" altLang="en-US" dirty="0" smtClean="0"/>
-              <a:t>测试与开发</a:t>
-            </a:r>
-            <a:endParaRPr kumimoji="1" lang="zh-CN" altLang="en-US" dirty="0"/>
-          </a:p>
-        </p:txBody>
-      </p:sp>
-      <p:sp>
-        <p:nvSpPr>
-          <p:cNvPr id="3" name="副标题 2"/>
-          <p:cNvSpPr>
-            <a:spLocks noGrp="1"/>
-          </p:cNvSpPr>
-          <p:nvPr>
-            <p:ph type="subTitle" idx="1"/>
-          </p:nvPr>
-        </p:nvSpPr>
-        <p:spPr/>
-        <p:txBody>
-          <a:bodyPr/>
-          <a:lstStyle/>
-          <a:p>
+              <a:t>软件工程实验项目</a:t>
+            </a:r>
+            <a:r>
+              <a:rPr kumimoji="1" lang="en-US" altLang="zh-CN" dirty="0" smtClean="0"/>
+              <a:t>-C</a:t>
+            </a:r>
+            <a:r>
+              <a:rPr kumimoji="1" lang="zh-CN" altLang="en-US" dirty="0" smtClean="0"/>
+              <a:t>组</a:t>
+            </a:r>
             <a:endParaRPr kumimoji="1" lang="zh-CN" altLang="en-US" dirty="0"/>
           </a:p>
         </p:txBody>
@@ -6760,9 +6795,16 @@
             <p:ph type="title"/>
           </p:nvPr>
         </p:nvSpPr>
-        <p:spPr/>
-        <p:txBody>
-          <a:bodyPr/>
+        <p:spPr>
+          <a:xfrm>
+            <a:off x="350733" y="441159"/>
+            <a:ext cx="7429499" cy="1905000"/>
+          </a:xfrm>
+        </p:spPr>
+        <p:txBody>
+          <a:bodyPr>
+            <a:normAutofit/>
+          </a:bodyPr>
           <a:lstStyle/>
           <a:p>
             <a:r>
@@ -6783,66 +6825,106 @@
             <p:ph idx="1"/>
           </p:nvPr>
         </p:nvSpPr>
-        <p:spPr/>
+        <p:spPr>
+          <a:xfrm>
+            <a:off x="433137" y="2346159"/>
+            <a:ext cx="8283742" cy="3910262"/>
+          </a:xfrm>
+        </p:spPr>
         <p:txBody>
           <a:bodyPr>
-            <a:normAutofit fontScale="92500"/>
+            <a:normAutofit/>
           </a:bodyPr>
           <a:lstStyle/>
           <a:p>
             <a:r>
-              <a:rPr lang="zh-CN" altLang="zh-CN" sz="2800" dirty="0" smtClean="0"/>
+              <a:rPr lang="zh-CN" altLang="en-US" sz="2400" dirty="0" smtClean="0"/>
+              <a:t>均为</a:t>
+            </a:r>
+            <a:r>
+              <a:rPr lang="zh-CN" altLang="zh-CN" sz="2400" dirty="0" smtClean="0"/>
+              <a:t>北航</a:t>
+            </a:r>
+            <a:r>
+              <a:rPr lang="zh-CN" altLang="zh-CN" sz="2400" dirty="0"/>
+              <a:t>软件工程专业研</a:t>
+            </a:r>
+            <a:r>
+              <a:rPr lang="zh-CN" altLang="zh-CN" sz="2400" dirty="0" smtClean="0"/>
+              <a:t>一</a:t>
+            </a:r>
+            <a:endParaRPr lang="en-US" altLang="zh-CN" sz="2400" dirty="0" smtClean="0"/>
+          </a:p>
+          <a:p>
+            <a:r>
+              <a:rPr lang="zh-CN" altLang="en-US" sz="2400" dirty="0" smtClean="0"/>
+              <a:t>*</a:t>
+            </a:r>
+            <a:r>
+              <a:rPr lang="zh-CN" altLang="zh-CN" sz="2400" dirty="0" smtClean="0"/>
               <a:t>黄新越</a:t>
             </a:r>
             <a:r>
-              <a:rPr lang="zh-CN" altLang="en-US" sz="2800" dirty="0"/>
+              <a:rPr lang="zh-CN" altLang="en-US" sz="2400" dirty="0" smtClean="0"/>
               <a:t>：</a:t>
             </a:r>
             <a:r>
-              <a:rPr lang="zh-CN" altLang="zh-CN" sz="2800" dirty="0" smtClean="0"/>
-              <a:t>北航</a:t>
-            </a:r>
-            <a:r>
-              <a:rPr lang="zh-CN" altLang="zh-CN" sz="2800" dirty="0"/>
-              <a:t>软件工程专业研一学生，主要研究方向为数据挖掘与软件</a:t>
-            </a:r>
-            <a:r>
-              <a:rPr lang="zh-CN" altLang="zh-CN" sz="2800" dirty="0" smtClean="0"/>
+              <a:rPr lang="zh-CN" altLang="zh-CN" sz="2400" dirty="0" smtClean="0"/>
+              <a:t>主要</a:t>
+            </a:r>
+            <a:r>
+              <a:rPr lang="zh-CN" altLang="zh-CN" sz="2400" dirty="0"/>
+              <a:t>研究方向为数据挖掘与软件</a:t>
+            </a:r>
+            <a:r>
+              <a:rPr lang="zh-CN" altLang="zh-CN" sz="2400" dirty="0" smtClean="0"/>
               <a:t>需求</a:t>
             </a:r>
             <a:r>
-              <a:rPr lang="zh-CN" altLang="en-US" sz="2800" dirty="0" smtClean="0"/>
+              <a:rPr lang="zh-CN" altLang="en-US" sz="2400" dirty="0" smtClean="0"/>
               <a:t>。</a:t>
             </a:r>
           </a:p>
           <a:p>
             <a:r>
-              <a:rPr lang="zh-CN" altLang="zh-CN" sz="2800" dirty="0" smtClean="0"/>
+              <a:rPr lang="zh-CN" altLang="zh-CN" sz="2400" dirty="0" smtClean="0"/>
               <a:t>李晓聪</a:t>
             </a:r>
             <a:r>
-              <a:rPr lang="zh-CN" altLang="zh-CN" sz="2800" dirty="0"/>
-              <a:t>：北航软件工程专业研一学生，主要研究方向为需求工程。</a:t>
-            </a:r>
-          </a:p>
-          <a:p>
-            <a:r>
-              <a:rPr lang="zh-CN" altLang="zh-CN" sz="2800" dirty="0" smtClean="0"/>
+              <a:rPr lang="zh-CN" altLang="zh-CN" sz="2400" dirty="0" smtClean="0"/>
+              <a:t>：主要</a:t>
+            </a:r>
+            <a:r>
+              <a:rPr lang="zh-CN" altLang="zh-CN" sz="2400" dirty="0"/>
+              <a:t>研究方向为需求工程。</a:t>
+            </a:r>
+          </a:p>
+          <a:p>
+            <a:r>
+              <a:rPr lang="zh-CN" altLang="zh-CN" sz="2400" dirty="0" smtClean="0"/>
               <a:t>杨云</a:t>
             </a:r>
             <a:r>
-              <a:rPr lang="zh-CN" altLang="zh-CN" sz="2800" dirty="0"/>
-              <a:t>：北航软件工程专业研一学生，主要研究方向为数据挖掘。</a:t>
-            </a:r>
-          </a:p>
-          <a:p>
-            <a:r>
-              <a:rPr lang="zh-CN" altLang="zh-CN" sz="2800" dirty="0" smtClean="0"/>
+              <a:rPr lang="zh-CN" altLang="zh-CN" sz="2400" dirty="0" smtClean="0"/>
+              <a:t>：主要</a:t>
+            </a:r>
+            <a:r>
+              <a:rPr lang="zh-CN" altLang="zh-CN" sz="2400" dirty="0"/>
+              <a:t>研究方向为数据挖掘。</a:t>
+            </a:r>
+          </a:p>
+          <a:p>
+            <a:r>
+              <a:rPr lang="zh-CN" altLang="zh-CN" sz="2400" dirty="0" smtClean="0"/>
               <a:t>余锋伟</a:t>
             </a:r>
             <a:r>
-              <a:rPr lang="zh-CN" altLang="zh-CN" sz="2800" dirty="0"/>
-              <a:t>：北航软件工程专业研一学生，主要研究方向为编译优化。</a:t>
+              <a:rPr lang="zh-CN" altLang="zh-CN" sz="2400" dirty="0" smtClean="0"/>
+              <a:t>：主要</a:t>
+            </a:r>
+            <a:r>
+              <a:rPr lang="zh-CN" altLang="zh-CN" sz="2400" dirty="0"/>
+              <a:t>研究方向为编译优化。</a:t>
             </a:r>
           </a:p>
           <a:p>
@@ -6890,7 +6972,12 @@
             <p:ph type="title"/>
           </p:nvPr>
         </p:nvSpPr>
-        <p:spPr/>
+        <p:spPr>
+          <a:xfrm>
+            <a:off x="694014" y="609600"/>
+            <a:ext cx="7429499" cy="1905000"/>
+          </a:xfrm>
+        </p:spPr>
         <p:txBody>
           <a:bodyPr/>
           <a:lstStyle/>
@@ -6917,25 +7004,26 @@
             <p:ph idx="1"/>
           </p:nvPr>
         </p:nvSpPr>
-        <p:spPr/>
+        <p:spPr>
+          <a:xfrm>
+            <a:off x="544010" y="2314938"/>
+            <a:ext cx="7741549" cy="3476264"/>
+          </a:xfrm>
+        </p:spPr>
         <p:txBody>
           <a:bodyPr>
-            <a:normAutofit/>
+            <a:normAutofit lnSpcReduction="10000"/>
           </a:bodyPr>
           <a:lstStyle/>
           <a:p>
             <a:r>
-              <a:rPr kumimoji="1" lang="zh-CN" altLang="en-US" sz="2400" dirty="0" smtClean="0"/>
-              <a:t>一款</a:t>
-            </a:r>
-            <a:r>
-              <a:rPr lang="zh-CN" altLang="zh-CN" sz="2400" dirty="0">
+              <a:rPr lang="zh-CN" altLang="zh-CN" sz="2400" dirty="0" smtClean="0">
                 <a:solidFill>
                   <a:schemeClr val="tx1"/>
                 </a:solidFill>
                 <a:effectLst/>
               </a:rPr>
-              <a:t>功能强大且高性能的</a:t>
+              <a:t>功能强大的</a:t>
             </a:r>
             <a:r>
               <a:rPr lang="en-US" altLang="zh-CN" sz="2400" dirty="0">
@@ -6982,13 +7070,31 @@
           </a:p>
           <a:p>
             <a:r>
-              <a:rPr lang="zh-CN" altLang="zh-CN" sz="2400" dirty="0">
+              <a:rPr lang="zh-CN" altLang="en-US" sz="2400" dirty="0" smtClean="0">
                 <a:solidFill>
                   <a:schemeClr val="tx1"/>
                 </a:solidFill>
                 <a:effectLst/>
               </a:rPr>
-              <a:t>占有内存少，并发能力强，稳定性</a:t>
+              <a:t>高性能，</a:t>
+            </a:r>
+            <a:r>
+              <a:rPr lang="zh-CN" altLang="zh-CN" sz="2400" dirty="0" smtClean="0">
+                <a:solidFill>
+                  <a:schemeClr val="tx1"/>
+                </a:solidFill>
+                <a:effectLst/>
+              </a:rPr>
+              <a:t>占有</a:t>
+            </a:r>
+            <a:r>
+              <a:rPr lang="zh-CN" altLang="zh-CN" sz="2400" dirty="0">
+                <a:solidFill>
+                  <a:schemeClr val="tx1"/>
+                </a:solidFill>
+                <a:effectLst/>
+              </a:rPr>
+              <a:t>内存少，并发能力强，稳定性</a:t>
             </a:r>
             <a:r>
               <a:rPr lang="zh-CN" altLang="zh-CN" sz="2400" dirty="0" smtClean="0">
@@ -7008,96 +7114,72 @@
           </a:p>
           <a:p>
             <a:r>
-              <a:rPr lang="zh-CN" altLang="zh-CN" sz="2400" dirty="0">
-                <a:solidFill>
-                  <a:schemeClr val="tx1"/>
-                </a:solidFill>
+              <a:rPr lang="zh-CN" altLang="en-US" sz="2400" dirty="0" smtClean="0">
                 <a:effectLst/>
               </a:rPr>
-              <a:t>可以在大多数</a:t>
-            </a:r>
-            <a:r>
-              <a:rPr lang="en-US" altLang="zh-CN" sz="2400" dirty="0">
-                <a:solidFill>
-                  <a:schemeClr val="tx1"/>
-                </a:solidFill>
+              <a:t>跨多平台</a:t>
+            </a:r>
+            <a:endParaRPr lang="en-US" altLang="zh-CN" sz="2400" dirty="0" smtClean="0">
+              <a:effectLst/>
+            </a:endParaRPr>
+          </a:p>
+          <a:p>
+            <a:pPr lvl="1"/>
+            <a:r>
+              <a:rPr lang="en-US" altLang="zh-CN" sz="2200" dirty="0" smtClean="0">
                 <a:effectLst/>
               </a:rPr>
-              <a:t>Unix</a:t>
-            </a:r>
-            <a:r>
-              <a:rPr lang="zh-CN" altLang="zh-CN" sz="2400" dirty="0">
-                <a:solidFill>
-                  <a:schemeClr val="tx1"/>
-                </a:solidFill>
+              <a:t>Linux</a:t>
+            </a:r>
+            <a:r>
+              <a:rPr lang="zh-CN" altLang="en-US" sz="2200" dirty="0" smtClean="0">
                 <a:effectLst/>
               </a:rPr>
-              <a:t>或类</a:t>
-            </a:r>
-            <a:r>
-              <a:rPr lang="en-US" altLang="zh-CN" sz="2400" dirty="0">
-                <a:solidFill>
-                  <a:schemeClr val="tx1"/>
-                </a:solidFill>
+              <a:t>、</a:t>
+            </a:r>
+            <a:r>
+              <a:rPr lang="en-US" altLang="zh-CN" sz="2200" dirty="0" smtClean="0">
                 <a:effectLst/>
               </a:rPr>
-              <a:t>Unix</a:t>
-            </a:r>
-            <a:r>
-              <a:rPr lang="zh-CN" altLang="zh-CN" sz="2400" dirty="0">
-                <a:solidFill>
-                  <a:schemeClr val="tx1"/>
-                </a:solidFill>
+              <a:t>FreeBSD</a:t>
+            </a:r>
+            <a:r>
+              <a:rPr lang="zh-CN" altLang="en-US" sz="2200" dirty="0" smtClean="0">
                 <a:effectLst/>
               </a:rPr>
-              <a:t>系统上编译</a:t>
-            </a:r>
-            <a:r>
-              <a:rPr lang="zh-CN" altLang="zh-CN" sz="2400" dirty="0" smtClean="0">
-                <a:solidFill>
-                  <a:schemeClr val="tx1"/>
-                </a:solidFill>
+              <a:t>、</a:t>
+            </a:r>
+            <a:r>
+              <a:rPr lang="en-US" altLang="zh-CN" sz="2200" dirty="0" smtClean="0">
                 <a:effectLst/>
               </a:rPr>
-              <a:t>运行</a:t>
-            </a:r>
-            <a:r>
-              <a:rPr lang="zh-CN" altLang="en-US" sz="2400" dirty="0" smtClean="0">
-                <a:solidFill>
-                  <a:schemeClr val="tx1"/>
-                </a:solidFill>
+              <a:t>Solaris</a:t>
+            </a:r>
+            <a:r>
+              <a:rPr lang="zh-CN" altLang="en-US" sz="2200" dirty="0" smtClean="0">
                 <a:effectLst/>
               </a:rPr>
-              <a:t>，</a:t>
-            </a:r>
-            <a:r>
-              <a:rPr lang="zh-CN" altLang="zh-CN" sz="2400" dirty="0">
-                <a:solidFill>
-                  <a:schemeClr val="tx1"/>
-                </a:solidFill>
+              <a:t>、</a:t>
+            </a:r>
+            <a:r>
+              <a:rPr lang="en-US" altLang="zh-CN" sz="2200" dirty="0" smtClean="0">
                 <a:effectLst/>
               </a:rPr>
-              <a:t>官方还提供了</a:t>
-            </a:r>
-            <a:r>
-              <a:rPr lang="en-US" altLang="zh-CN" sz="2400" dirty="0">
-                <a:solidFill>
-                  <a:schemeClr val="tx1"/>
-                </a:solidFill>
+              <a:t>Mac OS</a:t>
+            </a:r>
+            <a:r>
+              <a:rPr lang="zh-CN" altLang="en-US" sz="2200" dirty="0" smtClean="0">
+                <a:effectLst/>
+              </a:rPr>
+              <a:t>、</a:t>
+            </a:r>
+            <a:r>
+              <a:rPr lang="en-US" altLang="zh-CN" sz="2200" dirty="0" smtClean="0">
                 <a:effectLst/>
               </a:rPr>
               <a:t>Windows</a:t>
             </a:r>
-            <a:r>
-              <a:rPr lang="zh-CN" altLang="zh-CN" sz="2400" dirty="0">
-                <a:solidFill>
-                  <a:schemeClr val="tx1"/>
-                </a:solidFill>
-                <a:effectLst/>
-              </a:rPr>
-              <a:t>下的可执行版本</a:t>
-            </a:r>
-            <a:endParaRPr lang="zh-CN" altLang="en-US" sz="2400" dirty="0" smtClean="0">
+            <a:endParaRPr lang="zh-CN" altLang="en-US" sz="2200" dirty="0" smtClean="0">
               <a:solidFill>
                 <a:schemeClr val="tx1"/>
               </a:solidFill>
@@ -7107,50 +7189,80 @@
           <a:p>
             <a:r>
               <a:rPr lang="zh-CN" altLang="zh-CN" sz="2400" dirty="0">
-                <a:solidFill>
-                  <a:schemeClr val="tx1"/>
-                </a:solidFill>
                 <a:effectLst/>
               </a:rPr>
               <a:t>市场份额仅次于</a:t>
             </a:r>
             <a:r>
               <a:rPr lang="en-US" altLang="zh-CN" sz="2400" dirty="0">
-                <a:solidFill>
-                  <a:schemeClr val="tx1"/>
-                </a:solidFill>
                 <a:effectLst/>
               </a:rPr>
               <a:t>Apache</a:t>
             </a:r>
             <a:r>
               <a:rPr lang="zh-CN" altLang="zh-CN" sz="2400" dirty="0">
-                <a:solidFill>
-                  <a:schemeClr val="tx1"/>
-                </a:solidFill>
                 <a:effectLst/>
               </a:rPr>
               <a:t>的</a:t>
             </a:r>
             <a:r>
               <a:rPr lang="en-US" altLang="zh-CN" sz="2400" dirty="0">
-                <a:solidFill>
-                  <a:schemeClr val="tx1"/>
-                </a:solidFill>
                 <a:effectLst/>
               </a:rPr>
               <a:t>Web</a:t>
             </a:r>
             <a:r>
               <a:rPr lang="zh-CN" altLang="zh-CN" sz="2400" dirty="0">
-                <a:solidFill>
-                  <a:schemeClr val="tx1"/>
-                </a:solidFill>
                 <a:effectLst/>
               </a:rPr>
               <a:t>服务器</a:t>
             </a:r>
-            <a:endParaRPr lang="zh-CN" altLang="en-US" sz="2400" dirty="0" smtClean="0">
+            <a:endParaRPr lang="en-US" altLang="zh-CN" sz="2400" dirty="0">
+              <a:effectLst/>
+            </a:endParaRPr>
+          </a:p>
+          <a:p>
+            <a:pPr lvl="1"/>
+            <a:r>
+              <a:rPr kumimoji="1" lang="zh-CN" altLang="en-US" sz="2200" dirty="0"/>
+              <a:t>新浪、网易、腾讯、</a:t>
+            </a:r>
+            <a:r>
+              <a:rPr kumimoji="1" lang="en-US" altLang="zh-CN" sz="2200" dirty="0"/>
+              <a:t>CSDN</a:t>
+            </a:r>
+            <a:r>
+              <a:rPr kumimoji="1" lang="zh-CN" altLang="en-US" sz="2200" dirty="0"/>
+              <a:t>、水木社区、</a:t>
+            </a:r>
+            <a:r>
+              <a:rPr kumimoji="1" lang="zh-CN" altLang="en-US" sz="2200" dirty="0" smtClean="0"/>
+              <a:t>豆瓣等</a:t>
+            </a:r>
+            <a:endParaRPr lang="en-US" altLang="zh-CN" sz="2400" dirty="0" smtClean="0"/>
+          </a:p>
+          <a:p>
+            <a:r>
+              <a:rPr lang="zh-CN" altLang="en-US" sz="2400" dirty="0" smtClean="0"/>
+              <a:t>约</a:t>
+            </a:r>
+            <a:r>
+              <a:rPr lang="en-US" altLang="zh-CN" sz="2400" dirty="0"/>
+              <a:t>14</a:t>
+            </a:r>
+            <a:r>
+              <a:rPr lang="zh-CN" altLang="en-US" sz="2400" dirty="0"/>
+              <a:t>万行</a:t>
+            </a:r>
+            <a:r>
+              <a:rPr lang="en-US" altLang="zh-CN" sz="2400" dirty="0"/>
+              <a:t>C</a:t>
+            </a:r>
+            <a:r>
+              <a:rPr lang="zh-CN" altLang="en-US" sz="2400" dirty="0" smtClean="0"/>
+              <a:t>语言</a:t>
+            </a:r>
+            <a:endParaRPr lang="en-US" altLang="zh-CN" sz="2400" dirty="0" smtClean="0">
               <a:solidFill>
                 <a:schemeClr val="tx1"/>
               </a:solidFill>
@@ -7158,7 +7270,8 @@
             </a:endParaRPr>
           </a:p>
           <a:p>
-            <a:endParaRPr kumimoji="1" lang="zh-CN" altLang="en-US" sz="2400" dirty="0"/>
+            <a:pPr lvl="1"/>
+            <a:endParaRPr kumimoji="1" lang="en-US" altLang="zh-CN" sz="2200" dirty="0" smtClean="0"/>
           </a:p>
         </p:txBody>
       </p:sp>
@@ -7225,16 +7338,136 @@
             <p:ph idx="1"/>
           </p:nvPr>
         </p:nvSpPr>
-        <p:spPr/>
-        <p:txBody>
-          <a:bodyPr/>
+        <p:spPr>
+          <a:xfrm>
+            <a:off x="494270" y="2347783"/>
+            <a:ext cx="7791289" cy="3299255"/>
+          </a:xfrm>
+        </p:spPr>
+        <p:txBody>
+          <a:bodyPr>
+            <a:normAutofit/>
+          </a:bodyPr>
           <a:lstStyle/>
           <a:p>
             <a:r>
-              <a:rPr lang="zh-CN" altLang="en-US" dirty="0"/>
-              <a:t>针对选择的软件，项目组计划重点解决什么问题，做什么改进？难点？</a:t>
-            </a:r>
-            <a:endParaRPr kumimoji="1" lang="zh-CN" altLang="en-US" dirty="0"/>
+              <a:rPr kumimoji="1" lang="en-US" altLang="zh-CN" sz="2400" dirty="0"/>
+              <a:t>14</a:t>
+            </a:r>
+            <a:r>
+              <a:rPr kumimoji="1" lang="zh-CN" altLang="en-US" sz="2400" dirty="0"/>
+              <a:t>万行</a:t>
+            </a:r>
+            <a:r>
+              <a:rPr kumimoji="1" lang="en-US" altLang="zh-CN" sz="2400" dirty="0"/>
+              <a:t>C</a:t>
+            </a:r>
+            <a:r>
+              <a:rPr kumimoji="1" lang="zh-CN" altLang="en-US" sz="2400" dirty="0"/>
+              <a:t>语言</a:t>
+            </a:r>
+          </a:p>
+          <a:p>
+            <a:pPr lvl="1"/>
+            <a:r>
+              <a:rPr kumimoji="1" lang="zh-CN" altLang="en-US" sz="2200" dirty="0" smtClean="0"/>
+              <a:t>功能模块分析</a:t>
+            </a:r>
+            <a:r>
+              <a:rPr kumimoji="1" lang="en-US" altLang="zh-CN" sz="2200" dirty="0" smtClean="0">
+                <a:sym typeface="Wingdings" pitchFamily="2" charset="2"/>
+              </a:rPr>
+              <a:t></a:t>
+            </a:r>
+            <a:r>
+              <a:rPr kumimoji="1" lang="zh-CN" altLang="en-US" sz="2200" dirty="0" smtClean="0"/>
+              <a:t>产出分析报告</a:t>
+            </a:r>
+            <a:endParaRPr kumimoji="1" lang="en-US" altLang="zh-CN" sz="2200" dirty="0" smtClean="0"/>
+          </a:p>
+          <a:p>
+            <a:r>
+              <a:rPr kumimoji="1" lang="zh-CN" altLang="en-US" sz="2400" dirty="0" smtClean="0"/>
+              <a:t>“</a:t>
+            </a:r>
+            <a:r>
+              <a:rPr kumimoji="1" lang="zh-CN" altLang="en-US" sz="2400" dirty="0"/>
+              <a:t>高性能，占有内存少，并发能力强，稳定性”？</a:t>
+            </a:r>
+            <a:endParaRPr kumimoji="1" lang="en-US" altLang="zh-CN" sz="2400" dirty="0"/>
+          </a:p>
+          <a:p>
+            <a:pPr lvl="1"/>
+            <a:r>
+              <a:rPr kumimoji="1" lang="zh-CN" altLang="en-US" sz="2000" dirty="0" smtClean="0"/>
+              <a:t>对</a:t>
+            </a:r>
+            <a:r>
+              <a:rPr kumimoji="1" lang="en-US" altLang="zh-CN" sz="2000" dirty="0" err="1"/>
+              <a:t>nginx</a:t>
+            </a:r>
+            <a:r>
+              <a:rPr kumimoji="1" lang="zh-CN" altLang="en-US" sz="2000" dirty="0"/>
+              <a:t>各项性能指标进行独立的</a:t>
+            </a:r>
+            <a:r>
+              <a:rPr kumimoji="1" lang="zh-CN" altLang="en-US" sz="2000" dirty="0" smtClean="0"/>
+              <a:t>测试</a:t>
+            </a:r>
+            <a:r>
+              <a:rPr kumimoji="1" lang="en-US" altLang="zh-CN" sz="2000" dirty="0" smtClean="0">
+                <a:sym typeface="Wingdings" pitchFamily="2" charset="2"/>
+              </a:rPr>
+              <a:t></a:t>
+            </a:r>
+            <a:r>
+              <a:rPr kumimoji="1" lang="zh-CN" altLang="en-US" sz="2000" dirty="0" smtClean="0"/>
+              <a:t>产出测试报告</a:t>
+            </a:r>
+            <a:endParaRPr kumimoji="1" lang="zh-CN" altLang="en-US" sz="2000" dirty="0"/>
+          </a:p>
+          <a:p>
+            <a:r>
+              <a:rPr kumimoji="1" lang="zh-CN" altLang="en-US" sz="2400" dirty="0" smtClean="0"/>
+              <a:t>配置繁杂（</a:t>
+            </a:r>
+            <a:r>
+              <a:rPr lang="en-US" altLang="zh-CN" sz="2400" dirty="0" err="1" smtClean="0">
+                <a:effectLst/>
+              </a:rPr>
+              <a:t>nginx.conf</a:t>
+            </a:r>
+            <a:r>
+              <a:rPr lang="zh-CN" altLang="en-US" sz="2400" dirty="0" smtClean="0">
+                <a:effectLst/>
+              </a:rPr>
+              <a:t>配置文件、监控命令等</a:t>
+            </a:r>
+            <a:r>
+              <a:rPr kumimoji="1" lang="zh-CN" altLang="en-US" sz="2400" dirty="0" smtClean="0"/>
+              <a:t>）</a:t>
+            </a:r>
+            <a:endParaRPr kumimoji="1" lang="en-US" altLang="zh-CN" sz="2400" dirty="0" smtClean="0"/>
+          </a:p>
+          <a:p>
+            <a:pPr lvl="1"/>
+            <a:r>
+              <a:rPr kumimoji="1" lang="zh-CN" altLang="en-US" sz="1800" dirty="0" smtClean="0"/>
+              <a:t>开发图形化的配置、监控工具</a:t>
+            </a:r>
+            <a:r>
+              <a:rPr kumimoji="1" lang="en-US" altLang="zh-CN" sz="1800" dirty="0" smtClean="0">
+                <a:sym typeface="Wingdings" pitchFamily="2" charset="2"/>
+              </a:rPr>
+              <a:t></a:t>
+            </a:r>
+            <a:r>
+              <a:rPr kumimoji="1" lang="zh-CN" altLang="en-US" dirty="0" smtClean="0">
+                <a:sym typeface="Wingdings" pitchFamily="2" charset="2"/>
+              </a:rPr>
+              <a:t>产出可用的配置监控软件</a:t>
+            </a:r>
+            <a:endParaRPr kumimoji="1" lang="en-US" altLang="zh-CN" sz="1800" dirty="0"/>
           </a:p>
         </p:txBody>
       </p:sp>
@@ -7310,6 +7543,70 @@
           </a:p>
         </p:txBody>
       </p:sp>
+      <p:pic>
+        <p:nvPicPr>
+          <p:cNvPr id="1026" name="Picture 2"/>
+          <p:cNvPicPr>
+            <a:picLocks noChangeAspect="1" noChangeArrowheads="1"/>
+          </p:cNvPicPr>
+          <p:nvPr/>
+        </p:nvPicPr>
+        <p:blipFill>
+          <a:blip r:embed="rId2">
+            <a:extLst>
+              <a:ext uri="{28A0092B-C50C-407E-A947-70E740481C1C}">
+                <a14:useLocalDpi xmlns:a14="http://schemas.microsoft.com/office/drawing/2010/main" val="0"/>
+              </a:ext>
+            </a:extLst>
+          </a:blip>
+          <a:srcRect/>
+          <a:stretch>
+            <a:fillRect/>
+          </a:stretch>
+        </p:blipFill>
+        <p:spPr bwMode="auto">
+          <a:xfrm>
+            <a:off x="148281" y="2514600"/>
+            <a:ext cx="8821737" cy="4006164"/>
+          </a:xfrm>
+          <a:prstGeom prst="rect">
+            <a:avLst/>
+          </a:prstGeom>
+          <a:noFill/>
+          <a:ln>
+            <a:noFill/>
+          </a:ln>
+          <a:effectLst/>
+          <a:extLst>
+            <a:ext uri="{909E8E84-426E-40DD-AFC4-6F175D3DCCD1}">
+              <a14:hiddenFill xmlns:a14="http://schemas.microsoft.com/office/drawing/2010/main">
+                <a:solidFill>
+                  <a:schemeClr val="accent1"/>
+                </a:solidFill>
+              </a14:hiddenFill>
+            </a:ext>
+            <a:ext uri="{91240B29-F687-4F45-9708-019B960494DF}">
+              <a14:hiddenLine xmlns:a14="http://schemas.microsoft.com/office/drawing/2010/main" w="9525">
+                <a:solidFill>
+                  <a:schemeClr val="tx1"/>
+                </a:solidFill>
+                <a:miter lim="800000"/>
+                <a:headEnd/>
+                <a:tailEnd/>
+              </a14:hiddenLine>
+            </a:ext>
+            <a:ext uri="{AF507438-7753-43E0-B8FC-AC1667EBCBE1}">
+              <a14:hiddenEffects xmlns:a14="http://schemas.microsoft.com/office/drawing/2010/main">
+                <a:effectLst>
+                  <a:outerShdw dist="35921" dir="2700000" algn="ctr" rotWithShape="0">
+                    <a:schemeClr val="bg2"/>
+                  </a:outerShdw>
+                </a:effectLst>
+              </a14:hiddenEffects>
+            </a:ext>
+          </a:extLst>
+        </p:spPr>
+      </p:pic>
     </p:spTree>
     <p:extLst>
       <p:ext uri="{BB962C8B-B14F-4D97-AF65-F5344CB8AC3E}">
@@ -7356,10 +7653,10 @@
           <a:lstStyle/>
           <a:p>
             <a:r>
-              <a:rPr kumimoji="1" lang="zh-CN" altLang="en-US" dirty="0" smtClean="0"/>
-              <a:t>参考资料</a:t>
-            </a:r>
-            <a:endParaRPr kumimoji="1" lang="zh-CN" altLang="en-US" dirty="0"/>
+              <a:rPr lang="zh-CN" altLang="en-US" dirty="0" smtClean="0"/>
+              <a:t>初步分工</a:t>
+            </a:r>
+            <a:endParaRPr lang="zh-CN" altLang="en-US" dirty="0"/>
           </a:p>
         </p:txBody>
       </p:sp>
@@ -7373,7 +7670,12 @@
             <p:ph idx="1"/>
           </p:nvPr>
         </p:nvSpPr>
-        <p:spPr/>
+        <p:spPr>
+          <a:xfrm>
+            <a:off x="333633" y="2508422"/>
+            <a:ext cx="8563232" cy="3379573"/>
+          </a:xfrm>
+        </p:spPr>
         <p:txBody>
           <a:bodyPr>
             <a:normAutofit/>
@@ -7381,6 +7683,133 @@
           <a:lstStyle/>
           <a:p>
             <a:r>
+              <a:rPr lang="zh-CN" altLang="en-US" sz="2800" dirty="0" smtClean="0"/>
+              <a:t>*黄新越：管理项目进度，统筹规划，定期组织开会</a:t>
+            </a:r>
+            <a:endParaRPr lang="zh-CN" altLang="en-US" sz="2800" dirty="0"/>
+          </a:p>
+          <a:p>
+            <a:r>
+              <a:rPr lang="zh-CN" altLang="en-US" sz="2800" dirty="0"/>
+              <a:t>李晓聪</a:t>
+            </a:r>
+            <a:r>
+              <a:rPr lang="zh-CN" altLang="en-US" sz="2800" dirty="0" smtClean="0"/>
+              <a:t>：剖析配置文件，编写图形化配置程序</a:t>
+            </a:r>
+            <a:endParaRPr lang="en-US" altLang="zh-CN" sz="2800" dirty="0" smtClean="0"/>
+          </a:p>
+          <a:p>
+            <a:r>
+              <a:rPr lang="zh-CN" altLang="en-US" sz="2800" dirty="0" smtClean="0"/>
+              <a:t>杨</a:t>
+            </a:r>
+            <a:r>
+              <a:rPr lang="zh-CN" altLang="en-US" sz="2800" dirty="0"/>
+              <a:t>云</a:t>
+            </a:r>
+            <a:r>
+              <a:rPr lang="zh-CN" altLang="en-US" sz="2800" dirty="0" smtClean="0"/>
+              <a:t>：结合官方文档，分析</a:t>
+            </a:r>
+            <a:r>
+              <a:rPr lang="en-US" altLang="zh-CN" sz="2800" dirty="0" err="1" smtClean="0"/>
+              <a:t>nginx</a:t>
+            </a:r>
+            <a:r>
+              <a:rPr lang="zh-CN" altLang="en-US" sz="2800" dirty="0" smtClean="0"/>
+              <a:t>中各个模块</a:t>
+            </a:r>
+            <a:endParaRPr lang="en-US" altLang="zh-CN" sz="2800" dirty="0" smtClean="0"/>
+          </a:p>
+          <a:p>
+            <a:r>
+              <a:rPr lang="zh-CN" altLang="en-US" sz="2800" dirty="0" smtClean="0"/>
+              <a:t>余</a:t>
+            </a:r>
+            <a:r>
+              <a:rPr lang="zh-CN" altLang="en-US" sz="2800" dirty="0"/>
+              <a:t>锋伟</a:t>
+            </a:r>
+            <a:r>
+              <a:rPr lang="zh-CN" altLang="en-US" sz="2800" dirty="0" smtClean="0"/>
+              <a:t>：选择性能指标，设计测试用例进行测试</a:t>
+            </a:r>
+            <a:endParaRPr lang="zh-CN" altLang="en-US" sz="2800" dirty="0"/>
+          </a:p>
+        </p:txBody>
+      </p:sp>
+    </p:spTree>
+    <p:extLst>
+      <p:ext uri="{BB962C8B-B14F-4D97-AF65-F5344CB8AC3E}">
+        <p14:creationId xmlns:p14="http://schemas.microsoft.com/office/powerpoint/2010/main" val="1808193679"/>
+      </p:ext>
+    </p:extLst>
+  </p:cSld>
+  <p:clrMapOvr>
+    <a:masterClrMapping/>
+  </p:clrMapOvr>
+</p:sld>
+</file>
+
+<file path=ppt/slides/slide7.xml><?xml version="1.0" encoding="utf-8"?>
+<p:sld xmlns:a="http://schemas.openxmlformats.org/drawingml/2006/main" xmlns:r="http://schemas.openxmlformats.org/officeDocument/2006/relationships" xmlns:p="http://schemas.openxmlformats.org/presentationml/2006/main">
+  <p:cSld>
+    <p:spTree>
+      <p:nvGrpSpPr>
+        <p:cNvPr id="1" name=""/>
+        <p:cNvGrpSpPr/>
+        <p:nvPr/>
+      </p:nvGrpSpPr>
+      <p:grpSpPr>
+        <a:xfrm>
+          <a:off x="0" y="0"/>
+          <a:ext cx="0" cy="0"/>
+          <a:chOff x="0" y="0"/>
+          <a:chExt cx="0" cy="0"/>
+        </a:xfrm>
+      </p:grpSpPr>
+      <p:sp>
+        <p:nvSpPr>
+          <p:cNvPr id="2" name="标题 1"/>
+          <p:cNvSpPr>
+            <a:spLocks noGrp="1"/>
+          </p:cNvSpPr>
+          <p:nvPr>
+            <p:ph type="title"/>
+          </p:nvPr>
+        </p:nvSpPr>
+        <p:spPr/>
+        <p:txBody>
+          <a:bodyPr/>
+          <a:lstStyle/>
+          <a:p>
+            <a:r>
+              <a:rPr kumimoji="1" lang="zh-CN" altLang="en-US" dirty="0" smtClean="0"/>
+              <a:t>参考资料</a:t>
+            </a:r>
+            <a:endParaRPr kumimoji="1" lang="zh-CN" altLang="en-US" dirty="0"/>
+          </a:p>
+        </p:txBody>
+      </p:sp>
+      <p:sp>
+        <p:nvSpPr>
+          <p:cNvPr id="3" name="内容占位符 2"/>
+          <p:cNvSpPr>
+            <a:spLocks noGrp="1"/>
+          </p:cNvSpPr>
+          <p:nvPr>
+            <p:ph idx="1"/>
+          </p:nvPr>
+        </p:nvSpPr>
+        <p:spPr/>
+        <p:txBody>
+          <a:bodyPr>
+            <a:normAutofit/>
+          </a:bodyPr>
+          <a:lstStyle/>
+          <a:p>
+            <a:r>
               <a:rPr lang="en-US" altLang="zh-CN" sz="2400" dirty="0" err="1" smtClean="0">
                 <a:effectLst/>
               </a:rPr>
@@ -7474,13 +7903,7 @@
               <a:rPr lang="zh-CN" altLang="zh-CN" sz="2400" dirty="0">
                 <a:effectLst/>
               </a:rPr>
-              <a:t>中文文档》</a:t>
-            </a:r>
-            <a:r>
-              <a:rPr lang="zh-CN" altLang="zh-CN" sz="2400" dirty="0">
-                <a:effectLst/>
-              </a:rPr>
-              <a:t> </a:t>
+              <a:t>中文文档》 </a:t>
             </a:r>
             <a:endParaRPr kumimoji="1" lang="zh-CN" altLang="en-US" sz="2400" dirty="0"/>
           </a:p>
@@ -7542,7 +7965,7 @@
     </a:clrScheme>
     <a:fontScheme name="网状">
       <a:majorFont>
-        <a:latin typeface="Century Gothic" panose="020B0502020202020204"/>
+        <a:latin typeface="Century Gothic"/>
         <a:ea typeface=""/>
         <a:cs typeface=""/>
         <a:font script="Jpan" typeface="ＭＳ ゴシック"/>
@@ -7577,7 +8000,7 @@
         <a:font script="Geor" typeface="Sylfaen"/>
       </a:majorFont>
       <a:minorFont>
-        <a:latin typeface="Century Gothic" panose="020B0502020202020204"/>
+        <a:latin typeface="Century Gothic"/>
         <a:ea typeface=""/>
         <a:cs typeface=""/>
         <a:font script="Jpan" typeface="ＭＳ ゴシック"/>
@@ -7749,7 +8172,7 @@
   <a:extraClrSchemeLst/>
   <a:extLst>
     <a:ext uri="{05A4C25C-085E-4340-85A3-A5531E510DB2}">
-      <thm15:themeFamily xmlns:thm15="http://schemas.microsoft.com/office/thememl/2012/main" name="Mesh" id="{789EC3FE-34FD-429C-9918-760025E6C145}" vid="{1FEE2289-88FB-467C-9C9A-54F3C85768F0}"/>
+      <thm15:themeFamily xmlns:thm15="http://schemas.microsoft.com/office/thememl/2012/main" xmlns="" name="Mesh" id="{789EC3FE-34FD-429C-9918-760025E6C145}" vid="{1FEE2289-88FB-467C-9C9A-54F3C85768F0}"/>
     </a:ext>
   </a:extLst>
 </a:theme>
@@ -7798,7 +8221,7 @@
     </a:clrScheme>
     <a:fontScheme name="Office">
       <a:majorFont>
-        <a:latin typeface="Calibri Light" panose="020F0302020204030204"/>
+        <a:latin typeface="Calibri Light"/>
         <a:ea typeface=""/>
         <a:cs typeface=""/>
         <a:font script="Jpan" typeface="ＭＳ Ｐゴシック"/>
@@ -7833,7 +8256,7 @@
         <a:font script="Geor" typeface="Sylfaen"/>
       </a:majorFont>
       <a:minorFont>
-        <a:latin typeface="Calibri" panose="020F0502020204030204"/>
+        <a:latin typeface="Calibri"/>
         <a:ea typeface=""/>
         <a:cs typeface=""/>
         <a:font script="Jpan" typeface="ＭＳ Ｐゴシック"/>
@@ -8010,7 +8433,7 @@
   <a:extraClrSchemeLst/>
   <a:extLst>
     <a:ext uri="{05A4C25C-085E-4340-85A3-A5531E510DB2}">
-      <thm15:themeFamily xmlns:thm15="http://schemas.microsoft.com/office/thememl/2012/main" name="Office Theme" id="{62F939B6-93AF-4DB8-9C6B-D6C7DFDC589F}" vid="{4A3C46E8-61CC-4603-A589-7422A47A8E4A}"/>
+      <thm15:themeFamily xmlns:thm15="http://schemas.microsoft.com/office/thememl/2012/main" xmlns="" name="Office Theme" id="{62F939B6-93AF-4DB8-9C6B-D6C7DFDC589F}" vid="{4A3C46E8-61CC-4603-A589-7422A47A8E4A}"/>
     </a:ext>
   </a:extLst>
 </a:theme>
